--- a/宣道詩/(宣道詩228) 天父必看顧你.pptx
+++ b/宣道詩/(宣道詩228) 天父必看顧你.pptx
@@ -5,18 +5,25 @@
     <p:sldMasterId id="2147483660" r:id="rId1"/>
   </p:sldMasterIdLst>
   <p:notesMasterIdLst>
-    <p:notesMasterId r:id="rId8"/>
+    <p:notesMasterId r:id="rId15"/>
   </p:notesMasterIdLst>
   <p:handoutMasterIdLst>
-    <p:handoutMasterId r:id="rId9"/>
+    <p:handoutMasterId r:id="rId16"/>
   </p:handoutMasterIdLst>
   <p:sldIdLst>
-    <p:sldId id="5361" r:id="rId2"/>
-    <p:sldId id="5362" r:id="rId3"/>
-    <p:sldId id="5363" r:id="rId4"/>
-    <p:sldId id="5364" r:id="rId5"/>
-    <p:sldId id="5365" r:id="rId6"/>
-    <p:sldId id="5366" r:id="rId7"/>
+    <p:sldId id="5367" r:id="rId2"/>
+    <p:sldId id="5368" r:id="rId3"/>
+    <p:sldId id="5369" r:id="rId4"/>
+    <p:sldId id="5370" r:id="rId5"/>
+    <p:sldId id="5371" r:id="rId6"/>
+    <p:sldId id="5372" r:id="rId7"/>
+    <p:sldId id="5373" r:id="rId8"/>
+    <p:sldId id="5374" r:id="rId9"/>
+    <p:sldId id="5375" r:id="rId10"/>
+    <p:sldId id="5376" r:id="rId11"/>
+    <p:sldId id="5377" r:id="rId12"/>
+    <p:sldId id="5378" r:id="rId13"/>
+    <p:sldId id="5379" r:id="rId14"/>
   </p:sldIdLst>
   <p:sldSz cx="12192000" cy="6858000"/>
   <p:notesSz cx="6858000" cy="9144000"/>
@@ -3722,7 +3729,7 @@
       </p:grpSpPr>
       <p:sp>
         <p:nvSpPr>
-          <p:cNvPr id="4" name="Title 3"/>
+          <p:cNvPr id="4" name="標題 3"/>
           <p:cNvSpPr>
             <a:spLocks noGrp="1"/>
           </p:cNvSpPr>
@@ -3730,25 +3737,208 @@
             <p:ph type="title"/>
           </p:nvPr>
         </p:nvSpPr>
-        <p:spPr/>
+        <p:spPr>
+          <a:xfrm>
+            <a:off x="0" y="2660915"/>
+            <a:ext cx="12192000" cy="1143000"/>
+          </a:xfrm>
+        </p:spPr>
         <p:txBody>
           <a:bodyPr>
+            <a:noAutofit/>
+          </a:bodyPr>
+          <a:lstStyle/>
+          <a:p>
+            <a:r>
+              <a:rPr lang="zh-CN" altLang="en-US" sz="5333" b="1" u="sng" dirty="0">
+                <a:solidFill>
+                  <a:srgbClr val="000066"/>
+                </a:solidFill>
+                <a:effectLst>
+                  <a:outerShdw blurRad="38100" dist="38100" dir="2700000" algn="tl">
+                    <a:srgbClr val="000000">
+                      <a:alpha val="43137"/>
+                    </a:srgbClr>
+                  </a:outerShdw>
+                </a:effectLst>
+                <a:latin typeface="微軟正黑體" pitchFamily="34" charset="-120"/>
+                <a:ea typeface="微軟正黑體" pitchFamily="34" charset="-120"/>
+              </a:rPr>
+              <a:t>宣道詩 </a:t>
+            </a:r>
+            <a:r>
+              <a:rPr lang="en-US" altLang="zh-CN" sz="5333" b="1" u="sng" dirty="0">
+                <a:solidFill>
+                  <a:srgbClr val="000066"/>
+                </a:solidFill>
+                <a:effectLst>
+                  <a:outerShdw blurRad="38100" dist="38100" dir="2700000" algn="tl">
+                    <a:srgbClr val="000000">
+                      <a:alpha val="43137"/>
+                    </a:srgbClr>
+                  </a:outerShdw>
+                </a:effectLst>
+                <a:latin typeface="微軟正黑體" pitchFamily="34" charset="-120"/>
+                <a:ea typeface="微軟正黑體" pitchFamily="34" charset="-120"/>
+              </a:rPr>
+              <a:t>228</a:t>
+            </a:r>
+            <a:r>
+              <a:rPr lang="en-US" altLang="zh-CN" sz="7200" b="1" i="1" dirty="0">
+                <a:solidFill>
+                  <a:srgbClr val="660033"/>
+                </a:solidFill>
+                <a:effectLst>
+                  <a:outerShdw blurRad="38100" dist="38100" dir="2700000" algn="tl">
+                    <a:srgbClr val="000000">
+                      <a:alpha val="43137"/>
+                    </a:srgbClr>
+                  </a:outerShdw>
+                </a:effectLst>
+                <a:latin typeface="微軟正黑體" pitchFamily="34" charset="-120"/>
+                <a:ea typeface="微軟正黑體" pitchFamily="34" charset="-120"/>
+              </a:rPr>
+              <a:t/>
+            </a:r>
+            <a:br>
+              <a:rPr lang="en-US" altLang="zh-CN" sz="7200" b="1" i="1" dirty="0">
+                <a:solidFill>
+                  <a:srgbClr val="660033"/>
+                </a:solidFill>
+                <a:effectLst>
+                  <a:outerShdw blurRad="38100" dist="38100" dir="2700000" algn="tl">
+                    <a:srgbClr val="000000">
+                      <a:alpha val="43137"/>
+                    </a:srgbClr>
+                  </a:outerShdw>
+                </a:effectLst>
+                <a:latin typeface="微軟正黑體" pitchFamily="34" charset="-120"/>
+                <a:ea typeface="微軟正黑體" pitchFamily="34" charset="-120"/>
+              </a:rPr>
+            </a:br>
+            <a:r>
+              <a:rPr lang="zh-TW" altLang="en-US" sz="8000" b="1" dirty="0">
+                <a:solidFill>
+                  <a:srgbClr val="660033"/>
+                </a:solidFill>
+                <a:effectLst>
+                  <a:outerShdw blurRad="38100" dist="38100" dir="2700000" algn="tl">
+                    <a:srgbClr val="000000">
+                      <a:alpha val="43137"/>
+                    </a:srgbClr>
+                  </a:outerShdw>
+                </a:effectLst>
+                <a:latin typeface="微軟正黑體" pitchFamily="34" charset="-120"/>
+                <a:ea typeface="微軟正黑體" pitchFamily="34" charset="-120"/>
+              </a:rPr>
+              <a:t>天</a:t>
+            </a:r>
+            <a:r>
+              <a:rPr lang="zh-TW" altLang="en-US" sz="8000" b="1" dirty="0">
+                <a:solidFill>
+                  <a:srgbClr val="660033"/>
+                </a:solidFill>
+                <a:effectLst>
+                  <a:outerShdw blurRad="38100" dist="38100" dir="2700000" algn="tl">
+                    <a:srgbClr val="000000">
+                      <a:alpha val="43137"/>
+                    </a:srgbClr>
+                  </a:outerShdw>
+                </a:effectLst>
+                <a:latin typeface="微軟正黑體" pitchFamily="34" charset="-120"/>
+                <a:ea typeface="微軟正黑體" pitchFamily="34" charset="-120"/>
+              </a:rPr>
+              <a:t>父必看顧你</a:t>
+            </a:r>
+          </a:p>
+        </p:txBody>
+      </p:sp>
+    </p:spTree>
+    <p:extLst>
+      <p:ext uri="{BB962C8B-B14F-4D97-AF65-F5344CB8AC3E}">
+        <p14:creationId xmlns:p14="http://schemas.microsoft.com/office/powerpoint/2010/main" val="2131492501"/>
+      </p:ext>
+    </p:extLst>
+  </p:cSld>
+  <p:clrMapOvr>
+    <a:masterClrMapping/>
+  </p:clrMapOvr>
+  <p:timing>
+    <p:tnLst>
+      <p:par>
+        <p:cTn id="1" dur="indefinite" restart="never" nodeType="tmRoot"/>
+      </p:par>
+    </p:tnLst>
+  </p:timing>
+</p:sld>
+</file>
+
+<file path=ppt/slides/slide10.xml><?xml version="1.0" encoding="utf-8"?>
+<p:sld xmlns:a="http://schemas.openxmlformats.org/drawingml/2006/main" xmlns:r="http://schemas.openxmlformats.org/officeDocument/2006/relationships" xmlns:p="http://schemas.openxmlformats.org/presentationml/2006/main">
+  <p:cSld>
+    <p:spTree>
+      <p:nvGrpSpPr>
+        <p:cNvPr id="1" name=""/>
+        <p:cNvGrpSpPr/>
+        <p:nvPr/>
+      </p:nvGrpSpPr>
+      <p:grpSpPr>
+        <a:xfrm>
+          <a:off x="0" y="0"/>
+          <a:ext cx="0" cy="0"/>
+          <a:chOff x="0" y="0"/>
+          <a:chExt cx="0" cy="0"/>
+        </a:xfrm>
+      </p:grpSpPr>
+      <p:sp>
+        <p:nvSpPr>
+          <p:cNvPr id="5" name="內容版面配置區 4"/>
+          <p:cNvSpPr>
+            <a:spLocks noGrp="1"/>
+          </p:cNvSpPr>
+          <p:nvPr>
+            <p:ph idx="1"/>
+          </p:nvPr>
+        </p:nvSpPr>
+        <p:spPr>
+          <a:xfrm>
+            <a:off x="0" y="2084851"/>
+            <a:ext cx="12192000" cy="2404863"/>
+          </a:xfrm>
+        </p:spPr>
+        <p:txBody>
+          <a:bodyPr anchor="ctr">
             <a:normAutofit/>
           </a:bodyPr>
           <a:lstStyle/>
           <a:p>
-            <a:r>
-              <a:rPr lang="en-US" altLang="zh-TW" sz="4800" b="1" dirty="0">
+            <a:pPr marL="0" indent="0" algn="ctr">
+              <a:buNone/>
+            </a:pPr>
+            <a:r>
+              <a:rPr lang="zh-CN" altLang="en-US" sz="6400" b="1" dirty="0">
                 <a:solidFill>
                   <a:srgbClr val="660033"/>
                 </a:solidFill>
                 <a:latin typeface="Microsoft JhengHei" panose="020B0604030504040204" pitchFamily="34" charset="-120"/>
                 <a:ea typeface="Microsoft JhengHei" panose="020B0604030504040204" pitchFamily="34" charset="-120"/>
               </a:rPr>
-              <a:t>【</a:t>
-            </a:r>
-            <a:r>
-              <a:rPr lang="zh-TW" altLang="en-US" sz="4800" b="1" dirty="0">
+              <a:t>你雖缺乏他是豐富</a:t>
+            </a:r>
+            <a:endParaRPr lang="en-US" altLang="zh-CN" sz="6400" b="1" dirty="0">
+              <a:solidFill>
+                <a:srgbClr val="660033"/>
+              </a:solidFill>
+              <a:latin typeface="Microsoft JhengHei" panose="020B0604030504040204" pitchFamily="34" charset="-120"/>
+              <a:ea typeface="Microsoft JhengHei" panose="020B0604030504040204" pitchFamily="34" charset="-120"/>
+            </a:endParaRPr>
+          </a:p>
+          <a:p>
+            <a:pPr marL="0" indent="0" algn="ctr">
+              <a:buNone/>
+            </a:pPr>
+            <a:r>
+              <a:rPr lang="zh-CN" altLang="en-US" sz="6400" b="1" dirty="0">
                 <a:solidFill>
                   <a:srgbClr val="660033"/>
                 </a:solidFill>
@@ -3757,50 +3947,128 @@
               </a:rPr>
               <a:t>天父必看顧你</a:t>
             </a:r>
-            <a:r>
-              <a:rPr lang="en-US" altLang="zh-TW" sz="4800" b="1" dirty="0">
+            <a:endParaRPr lang="en-US" altLang="zh-CN" sz="6400" b="1" dirty="0">
+              <a:solidFill>
+                <a:srgbClr val="660033"/>
+              </a:solidFill>
+              <a:latin typeface="Microsoft JhengHei" panose="020B0604030504040204" pitchFamily="34" charset="-120"/>
+              <a:ea typeface="Microsoft JhengHei" panose="020B0604030504040204" pitchFamily="34" charset="-120"/>
+            </a:endParaRPr>
+          </a:p>
+        </p:txBody>
+      </p:sp>
+      <p:sp>
+        <p:nvSpPr>
+          <p:cNvPr id="3" name="TextBox 2"/>
+          <p:cNvSpPr txBox="1"/>
+          <p:nvPr/>
+        </p:nvSpPr>
+        <p:spPr>
+          <a:xfrm>
+            <a:off x="0" y="5157193"/>
+            <a:ext cx="12192000" cy="830997"/>
+          </a:xfrm>
+          <a:prstGeom prst="rect">
+            <a:avLst/>
+          </a:prstGeom>
+          <a:noFill/>
+        </p:spPr>
+        <p:txBody>
+          <a:bodyPr wrap="square" rtlCol="0">
+            <a:spAutoFit/>
+          </a:bodyPr>
+          <a:lstStyle/>
+          <a:p>
+            <a:pPr algn="ctr"/>
+            <a:r>
+              <a:rPr lang="en-US" sz="4800" b="1" dirty="0">
+                <a:solidFill>
+                  <a:srgbClr val="660033"/>
+                </a:solidFill>
+              </a:rPr>
+              <a:t>( 3 )</a:t>
+            </a:r>
+            <a:endParaRPr lang="vi-VN" sz="4800" b="1" dirty="0">
+              <a:solidFill>
+                <a:srgbClr val="660033"/>
+              </a:solidFill>
+            </a:endParaRPr>
+          </a:p>
+        </p:txBody>
+      </p:sp>
+    </p:spTree>
+    <p:extLst>
+      <p:ext uri="{BB962C8B-B14F-4D97-AF65-F5344CB8AC3E}">
+        <p14:creationId xmlns:p14="http://schemas.microsoft.com/office/powerpoint/2010/main" val="1813058420"/>
+      </p:ext>
+    </p:extLst>
+  </p:cSld>
+  <p:clrMapOvr>
+    <a:masterClrMapping/>
+  </p:clrMapOvr>
+  <p:timing>
+    <p:tnLst>
+      <p:par>
+        <p:cTn id="1" dur="indefinite" restart="never" nodeType="tmRoot"/>
+      </p:par>
+    </p:tnLst>
+  </p:timing>
+</p:sld>
+</file>
+
+<file path=ppt/slides/slide11.xml><?xml version="1.0" encoding="utf-8"?>
+<p:sld xmlns:a="http://schemas.openxmlformats.org/drawingml/2006/main" xmlns:r="http://schemas.openxmlformats.org/officeDocument/2006/relationships" xmlns:p="http://schemas.openxmlformats.org/presentationml/2006/main">
+  <p:cSld>
+    <p:spTree>
+      <p:nvGrpSpPr>
+        <p:cNvPr id="1" name=""/>
+        <p:cNvGrpSpPr/>
+        <p:nvPr/>
+      </p:nvGrpSpPr>
+      <p:grpSpPr>
+        <a:xfrm>
+          <a:off x="0" y="0"/>
+          <a:ext cx="0" cy="0"/>
+          <a:chOff x="0" y="0"/>
+          <a:chExt cx="0" cy="0"/>
+        </a:xfrm>
+      </p:grpSpPr>
+      <p:sp>
+        <p:nvSpPr>
+          <p:cNvPr id="5" name="內容版面配置區 4"/>
+          <p:cNvSpPr>
+            <a:spLocks noGrp="1"/>
+          </p:cNvSpPr>
+          <p:nvPr>
+            <p:ph idx="1"/>
+          </p:nvPr>
+        </p:nvSpPr>
+        <p:spPr>
+          <a:xfrm>
+            <a:off x="0" y="2084851"/>
+            <a:ext cx="12192000" cy="2404863"/>
+          </a:xfrm>
+        </p:spPr>
+        <p:txBody>
+          <a:bodyPr anchor="ctr">
+            <a:normAutofit/>
+          </a:bodyPr>
+          <a:lstStyle/>
+          <a:p>
+            <a:pPr marL="0" indent="0" algn="ctr">
+              <a:buNone/>
+            </a:pPr>
+            <a:r>
+              <a:rPr lang="zh-CN" altLang="en-US" sz="6400" b="1" dirty="0">
                 <a:solidFill>
                   <a:srgbClr val="660033"/>
                 </a:solidFill>
                 <a:latin typeface="Microsoft JhengHei" panose="020B0604030504040204" pitchFamily="34" charset="-120"/>
                 <a:ea typeface="Microsoft JhengHei" panose="020B0604030504040204" pitchFamily="34" charset="-120"/>
               </a:rPr>
-              <a:t>】</a:t>
-            </a:r>
-          </a:p>
-        </p:txBody>
-      </p:sp>
-      <p:sp>
-        <p:nvSpPr>
-          <p:cNvPr id="5" name="Content Placeholder 4"/>
-          <p:cNvSpPr>
-            <a:spLocks noGrp="1"/>
-          </p:cNvSpPr>
-          <p:nvPr>
-            <p:ph idx="1"/>
-          </p:nvPr>
-        </p:nvSpPr>
-        <p:spPr/>
-        <p:txBody>
-          <a:bodyPr>
-            <a:noAutofit/>
-          </a:bodyPr>
-          <a:lstStyle/>
-          <a:p>
-            <a:pPr marL="0" indent="0" algn="ctr">
-              <a:buNone/>
-            </a:pPr>
-            <a:r>
-              <a:rPr lang="zh-CN" altLang="en-US" sz="5400" b="1" dirty="0">
-                <a:solidFill>
-                  <a:srgbClr val="660033"/>
-                </a:solidFill>
-                <a:latin typeface="Microsoft JhengHei" panose="020B0604030504040204" pitchFamily="34" charset="-120"/>
-                <a:ea typeface="Microsoft JhengHei" panose="020B0604030504040204" pitchFamily="34" charset="-120"/>
-              </a:rPr>
-              <a:t>任遭何事不要驚怕</a:t>
-            </a:r>
-            <a:endParaRPr lang="en-US" altLang="zh-CN" sz="5400" b="1" dirty="0">
+              <a:t>你受試煉他必開路</a:t>
+            </a:r>
+            <a:endParaRPr lang="en-US" altLang="zh-CN" sz="6400" b="1" dirty="0">
               <a:solidFill>
                 <a:srgbClr val="660033"/>
               </a:solidFill>
@@ -3813,7 +4081,7 @@
               <a:buNone/>
             </a:pPr>
             <a:r>
-              <a:rPr lang="zh-CN" altLang="en-US" sz="5400" b="1" dirty="0">
+              <a:rPr lang="zh-CN" altLang="en-US" sz="6400" b="1" dirty="0">
                 <a:solidFill>
                   <a:srgbClr val="660033"/>
                 </a:solidFill>
@@ -3822,7 +4090,7 @@
               </a:rPr>
               <a:t>天父必看顧你</a:t>
             </a:r>
-            <a:endParaRPr lang="en-US" altLang="zh-CN" sz="5400" b="1" dirty="0">
+            <a:endParaRPr lang="zh-TW" altLang="en-US" sz="6400" b="1" dirty="0">
               <a:solidFill>
                 <a:srgbClr val="660033"/>
               </a:solidFill>
@@ -3830,34 +4098,111 @@
               <a:ea typeface="Microsoft JhengHei" panose="020B0604030504040204" pitchFamily="34" charset="-120"/>
             </a:endParaRPr>
           </a:p>
-          <a:p>
-            <a:pPr marL="0" indent="0" algn="ctr">
-              <a:buNone/>
-            </a:pPr>
-            <a:r>
-              <a:rPr lang="zh-CN" altLang="en-US" sz="5400" b="1" dirty="0">
+        </p:txBody>
+      </p:sp>
+      <p:sp>
+        <p:nvSpPr>
+          <p:cNvPr id="3" name="TextBox 2"/>
+          <p:cNvSpPr txBox="1"/>
+          <p:nvPr/>
+        </p:nvSpPr>
+        <p:spPr>
+          <a:xfrm>
+            <a:off x="0" y="5157193"/>
+            <a:ext cx="12192000" cy="830997"/>
+          </a:xfrm>
+          <a:prstGeom prst="rect">
+            <a:avLst/>
+          </a:prstGeom>
+          <a:noFill/>
+        </p:spPr>
+        <p:txBody>
+          <a:bodyPr wrap="square" rtlCol="0">
+            <a:spAutoFit/>
+          </a:bodyPr>
+          <a:lstStyle/>
+          <a:p>
+            <a:pPr algn="ctr"/>
+            <a:r>
+              <a:rPr lang="en-US" sz="4800" b="1" dirty="0">
                 <a:solidFill>
                   <a:srgbClr val="660033"/>
                 </a:solidFill>
-                <a:latin typeface="Microsoft JhengHei" panose="020B0604030504040204" pitchFamily="34" charset="-120"/>
-                <a:ea typeface="Microsoft JhengHei" panose="020B0604030504040204" pitchFamily="34" charset="-120"/>
               </a:rPr>
-              <a:t>必將你藏他恩翅下</a:t>
-            </a:r>
-            <a:endParaRPr lang="en-US" altLang="zh-CN" sz="5400" b="1" dirty="0">
+              <a:t>( 3 )</a:t>
+            </a:r>
+            <a:endParaRPr lang="vi-VN" sz="4800" b="1" dirty="0">
               <a:solidFill>
                 <a:srgbClr val="660033"/>
               </a:solidFill>
-              <a:latin typeface="Microsoft JhengHei" panose="020B0604030504040204" pitchFamily="34" charset="-120"/>
-              <a:ea typeface="Microsoft JhengHei" panose="020B0604030504040204" pitchFamily="34" charset="-120"/>
             </a:endParaRPr>
           </a:p>
+        </p:txBody>
+      </p:sp>
+    </p:spTree>
+    <p:extLst>
+      <p:ext uri="{BB962C8B-B14F-4D97-AF65-F5344CB8AC3E}">
+        <p14:creationId xmlns:p14="http://schemas.microsoft.com/office/powerpoint/2010/main" val="239935627"/>
+      </p:ext>
+    </p:extLst>
+  </p:cSld>
+  <p:clrMapOvr>
+    <a:masterClrMapping/>
+  </p:clrMapOvr>
+  <p:timing>
+    <p:tnLst>
+      <p:par>
+        <p:cTn id="1" dur="indefinite" restart="never" nodeType="tmRoot"/>
+      </p:par>
+    </p:tnLst>
+  </p:timing>
+</p:sld>
+</file>
+
+<file path=ppt/slides/slide12.xml><?xml version="1.0" encoding="utf-8"?>
+<p:sld xmlns:a="http://schemas.openxmlformats.org/drawingml/2006/main" xmlns:r="http://schemas.openxmlformats.org/officeDocument/2006/relationships" xmlns:p="http://schemas.openxmlformats.org/presentationml/2006/main">
+  <p:cSld>
+    <p:spTree>
+      <p:nvGrpSpPr>
+        <p:cNvPr id="1" name=""/>
+        <p:cNvGrpSpPr/>
+        <p:nvPr/>
+      </p:nvGrpSpPr>
+      <p:grpSpPr>
+        <a:xfrm>
+          <a:off x="0" y="0"/>
+          <a:ext cx="0" cy="0"/>
+          <a:chOff x="0" y="0"/>
+          <a:chExt cx="0" cy="0"/>
+        </a:xfrm>
+      </p:grpSpPr>
+      <p:sp>
+        <p:nvSpPr>
+          <p:cNvPr id="5" name="內容版面配置區 4"/>
+          <p:cNvSpPr>
+            <a:spLocks noGrp="1"/>
+          </p:cNvSpPr>
+          <p:nvPr>
+            <p:ph idx="1"/>
+          </p:nvPr>
+        </p:nvSpPr>
+        <p:spPr>
+          <a:xfrm>
+            <a:off x="0" y="2084851"/>
+            <a:ext cx="12192000" cy="2404863"/>
+          </a:xfrm>
+        </p:spPr>
+        <p:txBody>
+          <a:bodyPr anchor="ctr">
+            <a:normAutofit/>
+          </a:bodyPr>
+          <a:lstStyle/>
           <a:p>
             <a:pPr marL="0" indent="0" algn="ctr">
               <a:buNone/>
             </a:pPr>
             <a:r>
-              <a:rPr lang="zh-CN" altLang="en-US" sz="5400" b="1" dirty="0">
+              <a:rPr lang="zh-CN" altLang="en-US" sz="6400" b="1" dirty="0">
                 <a:solidFill>
                   <a:srgbClr val="660033"/>
                 </a:solidFill>
@@ -3866,7 +4211,7 @@
               </a:rPr>
               <a:t>天父必看顧你</a:t>
             </a:r>
-            <a:endParaRPr lang="zh-TW" altLang="en-US" sz="5400" b="1" dirty="0">
+            <a:endParaRPr lang="en-US" altLang="zh-CN" sz="6400" b="1" dirty="0">
               <a:solidFill>
                 <a:srgbClr val="660033"/>
               </a:solidFill>
@@ -3874,56 +4219,151 @@
               <a:ea typeface="Microsoft JhengHei" panose="020B0604030504040204" pitchFamily="34" charset="-120"/>
             </a:endParaRPr>
           </a:p>
-        </p:txBody>
-      </p:sp>
-      <p:sp>
-        <p:nvSpPr>
-          <p:cNvPr id="6" name="Text Box 1"/>
-          <p:cNvSpPr txBox="1"/>
-          <p:nvPr/>
-        </p:nvSpPr>
-        <p:spPr>
-          <a:xfrm>
-            <a:off x="1524000" y="1676400"/>
-            <a:ext cx="1055440" cy="923330"/>
-          </a:xfrm>
-          <a:prstGeom prst="rect">
-            <a:avLst/>
-          </a:prstGeom>
-          <a:noFill/>
-          <a:ln w="9525">
-            <a:noFill/>
-            <a:miter lim="800000"/>
-          </a:ln>
-        </p:spPr>
-        <p:txBody>
-          <a:bodyPr wrap="square">
-            <a:spAutoFit/>
-          </a:bodyPr>
-          <a:lstStyle/>
-          <a:p>
-            <a:pPr algn="ctr"/>
-            <a:r>
-              <a:rPr lang="en-US" sz="5400" b="1" dirty="0">
+          <a:p>
+            <a:pPr marL="0" indent="0" algn="ctr">
+              <a:buNone/>
+            </a:pPr>
+            <a:r>
+              <a:rPr lang="zh-CN" altLang="en-US" sz="6400" b="1" dirty="0">
                 <a:solidFill>
                   <a:srgbClr val="660033"/>
                 </a:solidFill>
+                <a:latin typeface="Microsoft JhengHei" panose="020B0604030504040204" pitchFamily="34" charset="-120"/>
+                <a:ea typeface="Microsoft JhengHei" panose="020B0604030504040204" pitchFamily="34" charset="-120"/>
               </a:rPr>
-              <a:t>1.</a:t>
-            </a:r>
+              <a:t>時時看顧  處處看顧</a:t>
+            </a:r>
+            <a:endParaRPr lang="en-US" altLang="zh-CN" sz="6400" b="1" dirty="0">
+              <a:solidFill>
+                <a:srgbClr val="660033"/>
+              </a:solidFill>
+              <a:latin typeface="Microsoft JhengHei" panose="020B0604030504040204" pitchFamily="34" charset="-120"/>
+              <a:ea typeface="Microsoft JhengHei" panose="020B0604030504040204" pitchFamily="34" charset="-120"/>
+            </a:endParaRPr>
           </a:p>
         </p:txBody>
       </p:sp>
     </p:spTree>
     <p:extLst>
       <p:ext uri="{BB962C8B-B14F-4D97-AF65-F5344CB8AC3E}">
-        <p14:creationId xmlns:p14="http://schemas.microsoft.com/office/powerpoint/2010/main" val="1393331858"/>
+        <p14:creationId xmlns:p14="http://schemas.microsoft.com/office/powerpoint/2010/main" val="1683550882"/>
       </p:ext>
     </p:extLst>
   </p:cSld>
   <p:clrMapOvr>
     <a:masterClrMapping/>
   </p:clrMapOvr>
+  <p:timing>
+    <p:tnLst>
+      <p:par>
+        <p:cTn id="1" dur="indefinite" restart="never" nodeType="tmRoot"/>
+      </p:par>
+    </p:tnLst>
+  </p:timing>
+</p:sld>
+</file>
+
+<file path=ppt/slides/slide13.xml><?xml version="1.0" encoding="utf-8"?>
+<p:sld xmlns:a="http://schemas.openxmlformats.org/drawingml/2006/main" xmlns:r="http://schemas.openxmlformats.org/officeDocument/2006/relationships" xmlns:p="http://schemas.openxmlformats.org/presentationml/2006/main">
+  <p:cSld>
+    <p:spTree>
+      <p:nvGrpSpPr>
+        <p:cNvPr id="1" name=""/>
+        <p:cNvGrpSpPr/>
+        <p:nvPr/>
+      </p:nvGrpSpPr>
+      <p:grpSpPr>
+        <a:xfrm>
+          <a:off x="0" y="0"/>
+          <a:ext cx="0" cy="0"/>
+          <a:chOff x="0" y="0"/>
+          <a:chExt cx="0" cy="0"/>
+        </a:xfrm>
+      </p:grpSpPr>
+      <p:sp>
+        <p:nvSpPr>
+          <p:cNvPr id="5" name="內容版面配置區 4"/>
+          <p:cNvSpPr>
+            <a:spLocks noGrp="1"/>
+          </p:cNvSpPr>
+          <p:nvPr>
+            <p:ph idx="1"/>
+          </p:nvPr>
+        </p:nvSpPr>
+        <p:spPr>
+          <a:xfrm>
+            <a:off x="0" y="2084851"/>
+            <a:ext cx="12192000" cy="2404863"/>
+          </a:xfrm>
+        </p:spPr>
+        <p:txBody>
+          <a:bodyPr anchor="ctr">
+            <a:normAutofit/>
+          </a:bodyPr>
+          <a:lstStyle/>
+          <a:p>
+            <a:pPr marL="0" indent="0" algn="ctr">
+              <a:buNone/>
+            </a:pPr>
+            <a:r>
+              <a:rPr lang="zh-CN" altLang="en-US" sz="6400" b="1" dirty="0">
+                <a:solidFill>
+                  <a:srgbClr val="660033"/>
+                </a:solidFill>
+                <a:latin typeface="Microsoft JhengHei" panose="020B0604030504040204" pitchFamily="34" charset="-120"/>
+                <a:ea typeface="Microsoft JhengHei" panose="020B0604030504040204" pitchFamily="34" charset="-120"/>
+              </a:rPr>
+              <a:t>他必要看顧你</a:t>
+            </a:r>
+            <a:endParaRPr lang="en-US" altLang="zh-CN" sz="6400" b="1" dirty="0">
+              <a:solidFill>
+                <a:srgbClr val="660033"/>
+              </a:solidFill>
+              <a:latin typeface="Microsoft JhengHei" panose="020B0604030504040204" pitchFamily="34" charset="-120"/>
+              <a:ea typeface="Microsoft JhengHei" panose="020B0604030504040204" pitchFamily="34" charset="-120"/>
+            </a:endParaRPr>
+          </a:p>
+          <a:p>
+            <a:pPr marL="0" indent="0" algn="ctr">
+              <a:buNone/>
+            </a:pPr>
+            <a:r>
+              <a:rPr lang="zh-CN" altLang="en-US" sz="6400" b="1" dirty="0">
+                <a:solidFill>
+                  <a:srgbClr val="660033"/>
+                </a:solidFill>
+                <a:latin typeface="Microsoft JhengHei" panose="020B0604030504040204" pitchFamily="34" charset="-120"/>
+                <a:ea typeface="Microsoft JhengHei" panose="020B0604030504040204" pitchFamily="34" charset="-120"/>
+              </a:rPr>
+              <a:t>天父必看顧你</a:t>
+            </a:r>
+            <a:endParaRPr lang="zh-TW" altLang="en-US" sz="6400" b="1" dirty="0">
+              <a:solidFill>
+                <a:srgbClr val="660033"/>
+              </a:solidFill>
+              <a:latin typeface="Microsoft JhengHei" panose="020B0604030504040204" pitchFamily="34" charset="-120"/>
+              <a:ea typeface="Microsoft JhengHei" panose="020B0604030504040204" pitchFamily="34" charset="-120"/>
+            </a:endParaRPr>
+          </a:p>
+        </p:txBody>
+      </p:sp>
+    </p:spTree>
+    <p:extLst>
+      <p:ext uri="{BB962C8B-B14F-4D97-AF65-F5344CB8AC3E}">
+        <p14:creationId xmlns:p14="http://schemas.microsoft.com/office/powerpoint/2010/main" val="1203685780"/>
+      </p:ext>
+    </p:extLst>
+  </p:cSld>
+  <p:clrMapOvr>
+    <a:masterClrMapping/>
+  </p:clrMapOvr>
+  <p:timing>
+    <p:tnLst>
+      <p:par>
+        <p:cTn id="1" dur="indefinite" restart="never" nodeType="tmRoot"/>
+      </p:par>
+    </p:tnLst>
+  </p:timing>
 </p:sld>
 </file>
 
@@ -3946,33 +4386,53 @@
       </p:grpSpPr>
       <p:sp>
         <p:nvSpPr>
-          <p:cNvPr id="4" name="Title 3"/>
-          <p:cNvSpPr>
-            <a:spLocks noGrp="1"/>
-          </p:cNvSpPr>
-          <p:nvPr>
-            <p:ph type="title"/>
-          </p:nvPr>
-        </p:nvSpPr>
-        <p:spPr/>
-        <p:txBody>
-          <a:bodyPr>
+          <p:cNvPr id="5" name="內容版面配置區 4"/>
+          <p:cNvSpPr>
+            <a:spLocks noGrp="1"/>
+          </p:cNvSpPr>
+          <p:nvPr>
+            <p:ph idx="1"/>
+          </p:nvPr>
+        </p:nvSpPr>
+        <p:spPr>
+          <a:xfrm>
+            <a:off x="0" y="2084851"/>
+            <a:ext cx="12192000" cy="2404863"/>
+          </a:xfrm>
+        </p:spPr>
+        <p:txBody>
+          <a:bodyPr anchor="ctr">
             <a:normAutofit/>
           </a:bodyPr>
           <a:lstStyle/>
           <a:p>
-            <a:r>
-              <a:rPr lang="en-US" altLang="zh-TW" sz="4800" b="1" dirty="0">
+            <a:pPr marL="0" indent="0" algn="ctr">
+              <a:buNone/>
+            </a:pPr>
+            <a:r>
+              <a:rPr lang="zh-CN" altLang="en-US" sz="6400" b="1" dirty="0">
                 <a:solidFill>
                   <a:srgbClr val="660033"/>
                 </a:solidFill>
                 <a:latin typeface="Microsoft JhengHei" panose="020B0604030504040204" pitchFamily="34" charset="-120"/>
                 <a:ea typeface="Microsoft JhengHei" panose="020B0604030504040204" pitchFamily="34" charset="-120"/>
               </a:rPr>
-              <a:t>【</a:t>
-            </a:r>
-            <a:r>
-              <a:rPr lang="zh-TW" altLang="en-US" sz="4800" b="1" dirty="0">
+              <a:t>任遭何事不要驚怕</a:t>
+            </a:r>
+            <a:endParaRPr lang="en-US" altLang="zh-CN" sz="6400" b="1" dirty="0">
+              <a:solidFill>
+                <a:srgbClr val="660033"/>
+              </a:solidFill>
+              <a:latin typeface="Microsoft JhengHei" panose="020B0604030504040204" pitchFamily="34" charset="-120"/>
+              <a:ea typeface="Microsoft JhengHei" panose="020B0604030504040204" pitchFamily="34" charset="-120"/>
+            </a:endParaRPr>
+          </a:p>
+          <a:p>
+            <a:pPr marL="0" indent="0" algn="ctr">
+              <a:buNone/>
+            </a:pPr>
+            <a:r>
+              <a:rPr lang="zh-CN" altLang="en-US" sz="6400" b="1" dirty="0">
                 <a:solidFill>
                   <a:srgbClr val="660033"/>
                 </a:solidFill>
@@ -3981,50 +4441,7 @@
               </a:rPr>
               <a:t>天父必看顧你</a:t>
             </a:r>
-            <a:r>
-              <a:rPr lang="en-US" altLang="zh-TW" sz="4800" b="1" dirty="0">
-                <a:solidFill>
-                  <a:srgbClr val="660033"/>
-                </a:solidFill>
-                <a:latin typeface="Microsoft JhengHei" panose="020B0604030504040204" pitchFamily="34" charset="-120"/>
-                <a:ea typeface="Microsoft JhengHei" panose="020B0604030504040204" pitchFamily="34" charset="-120"/>
-              </a:rPr>
-              <a:t>】</a:t>
-            </a:r>
-          </a:p>
-        </p:txBody>
-      </p:sp>
-      <p:sp>
-        <p:nvSpPr>
-          <p:cNvPr id="5" name="Content Placeholder 4"/>
-          <p:cNvSpPr>
-            <a:spLocks noGrp="1"/>
-          </p:cNvSpPr>
-          <p:nvPr>
-            <p:ph idx="1"/>
-          </p:nvPr>
-        </p:nvSpPr>
-        <p:spPr/>
-        <p:txBody>
-          <a:bodyPr>
-            <a:noAutofit/>
-          </a:bodyPr>
-          <a:lstStyle/>
-          <a:p>
-            <a:pPr marL="0" indent="0" algn="ctr">
-              <a:buNone/>
-            </a:pPr>
-            <a:r>
-              <a:rPr lang="zh-CN" altLang="en-US" sz="5400" b="1" dirty="0">
-                <a:solidFill>
-                  <a:srgbClr val="660033"/>
-                </a:solidFill>
-                <a:latin typeface="Microsoft JhengHei" panose="020B0604030504040204" pitchFamily="34" charset="-120"/>
-                <a:ea typeface="Microsoft JhengHei" panose="020B0604030504040204" pitchFamily="34" charset="-120"/>
-              </a:rPr>
-              <a:t>天父必看顧你</a:t>
-            </a:r>
-            <a:endParaRPr lang="en-US" altLang="zh-CN" sz="5400" b="1" dirty="0">
+            <a:endParaRPr lang="en-US" altLang="zh-CN" sz="6400" b="1" dirty="0">
               <a:solidFill>
                 <a:srgbClr val="660033"/>
               </a:solidFill>
@@ -4032,70 +4449,43 @@
               <a:ea typeface="Microsoft JhengHei" panose="020B0604030504040204" pitchFamily="34" charset="-120"/>
             </a:endParaRPr>
           </a:p>
-          <a:p>
-            <a:pPr marL="0" indent="0" algn="ctr">
-              <a:buNone/>
-            </a:pPr>
-            <a:r>
-              <a:rPr lang="zh-CN" altLang="en-US" sz="5400" b="1" dirty="0">
+        </p:txBody>
+      </p:sp>
+      <p:sp>
+        <p:nvSpPr>
+          <p:cNvPr id="3" name="TextBox 2"/>
+          <p:cNvSpPr txBox="1"/>
+          <p:nvPr/>
+        </p:nvSpPr>
+        <p:spPr>
+          <a:xfrm>
+            <a:off x="0" y="5157193"/>
+            <a:ext cx="12192000" cy="830997"/>
+          </a:xfrm>
+          <a:prstGeom prst="rect">
+            <a:avLst/>
+          </a:prstGeom>
+          <a:noFill/>
+        </p:spPr>
+        <p:txBody>
+          <a:bodyPr wrap="square" rtlCol="0">
+            <a:spAutoFit/>
+          </a:bodyPr>
+          <a:lstStyle/>
+          <a:p>
+            <a:pPr algn="ctr"/>
+            <a:r>
+              <a:rPr lang="en-US" sz="4800" b="1" dirty="0">
                 <a:solidFill>
                   <a:srgbClr val="660033"/>
                 </a:solidFill>
-                <a:latin typeface="Microsoft JhengHei" panose="020B0604030504040204" pitchFamily="34" charset="-120"/>
-                <a:ea typeface="Microsoft JhengHei" panose="020B0604030504040204" pitchFamily="34" charset="-120"/>
               </a:rPr>
-              <a:t>時時看顧  處處看顧</a:t>
-            </a:r>
-            <a:endParaRPr lang="en-US" altLang="zh-CN" sz="5400" b="1" dirty="0">
+              <a:t>( 1 )</a:t>
+            </a:r>
+            <a:endParaRPr lang="vi-VN" sz="4800" b="1" dirty="0">
               <a:solidFill>
                 <a:srgbClr val="660033"/>
               </a:solidFill>
-              <a:latin typeface="Microsoft JhengHei" panose="020B0604030504040204" pitchFamily="34" charset="-120"/>
-              <a:ea typeface="Microsoft JhengHei" panose="020B0604030504040204" pitchFamily="34" charset="-120"/>
-            </a:endParaRPr>
-          </a:p>
-          <a:p>
-            <a:pPr marL="0" indent="0" algn="ctr">
-              <a:buNone/>
-            </a:pPr>
-            <a:r>
-              <a:rPr lang="zh-CN" altLang="en-US" sz="5400" b="1" dirty="0">
-                <a:solidFill>
-                  <a:srgbClr val="660033"/>
-                </a:solidFill>
-                <a:latin typeface="Microsoft JhengHei" panose="020B0604030504040204" pitchFamily="34" charset="-120"/>
-                <a:ea typeface="Microsoft JhengHei" panose="020B0604030504040204" pitchFamily="34" charset="-120"/>
-              </a:rPr>
-              <a:t>他必要看顧你</a:t>
-            </a:r>
-            <a:endParaRPr lang="en-US" altLang="zh-CN" sz="5400" b="1" dirty="0">
-              <a:solidFill>
-                <a:srgbClr val="660033"/>
-              </a:solidFill>
-              <a:latin typeface="Microsoft JhengHei" panose="020B0604030504040204" pitchFamily="34" charset="-120"/>
-              <a:ea typeface="Microsoft JhengHei" panose="020B0604030504040204" pitchFamily="34" charset="-120"/>
-            </a:endParaRPr>
-          </a:p>
-          <a:p>
-            <a:pPr marL="0" indent="0" algn="ctr">
-              <a:buNone/>
-            </a:pPr>
-            <a:r>
-              <a:rPr lang="zh-CN" altLang="en-US" sz="5400" b="1" dirty="0">
-                <a:solidFill>
-                  <a:srgbClr val="660033"/>
-                </a:solidFill>
-                <a:latin typeface="Microsoft JhengHei" panose="020B0604030504040204" pitchFamily="34" charset="-120"/>
-                <a:ea typeface="Microsoft JhengHei" panose="020B0604030504040204" pitchFamily="34" charset="-120"/>
-              </a:rPr>
-              <a:t>天父必看顧你</a:t>
-            </a:r>
-            <a:endParaRPr lang="zh-TW" altLang="en-US" sz="5400" b="1" dirty="0">
-              <a:solidFill>
-                <a:srgbClr val="660033"/>
-              </a:solidFill>
-              <a:latin typeface="Microsoft JhengHei" panose="020B0604030504040204" pitchFamily="34" charset="-120"/>
-              <a:ea typeface="Microsoft JhengHei" panose="020B0604030504040204" pitchFamily="34" charset="-120"/>
             </a:endParaRPr>
           </a:p>
         </p:txBody>
@@ -4103,13 +4493,20 @@
     </p:spTree>
     <p:extLst>
       <p:ext uri="{BB962C8B-B14F-4D97-AF65-F5344CB8AC3E}">
-        <p14:creationId xmlns:p14="http://schemas.microsoft.com/office/powerpoint/2010/main" val="1664774385"/>
+        <p14:creationId xmlns:p14="http://schemas.microsoft.com/office/powerpoint/2010/main" val="3389876723"/>
       </p:ext>
     </p:extLst>
   </p:cSld>
   <p:clrMapOvr>
     <a:masterClrMapping/>
   </p:clrMapOvr>
+  <p:timing>
+    <p:tnLst>
+      <p:par>
+        <p:cTn id="1" dur="indefinite" restart="never" nodeType="tmRoot"/>
+      </p:par>
+    </p:tnLst>
+  </p:timing>
 </p:sld>
 </file>
 
@@ -4132,33 +4529,53 @@
       </p:grpSpPr>
       <p:sp>
         <p:nvSpPr>
-          <p:cNvPr id="4" name="Title 3"/>
-          <p:cNvSpPr>
-            <a:spLocks noGrp="1"/>
-          </p:cNvSpPr>
-          <p:nvPr>
-            <p:ph type="title"/>
-          </p:nvPr>
-        </p:nvSpPr>
-        <p:spPr/>
-        <p:txBody>
-          <a:bodyPr>
+          <p:cNvPr id="5" name="內容版面配置區 4"/>
+          <p:cNvSpPr>
+            <a:spLocks noGrp="1"/>
+          </p:cNvSpPr>
+          <p:nvPr>
+            <p:ph idx="1"/>
+          </p:nvPr>
+        </p:nvSpPr>
+        <p:spPr>
+          <a:xfrm>
+            <a:off x="0" y="2084851"/>
+            <a:ext cx="12192000" cy="2404863"/>
+          </a:xfrm>
+        </p:spPr>
+        <p:txBody>
+          <a:bodyPr anchor="ctr">
             <a:normAutofit/>
           </a:bodyPr>
           <a:lstStyle/>
           <a:p>
-            <a:r>
-              <a:rPr lang="en-US" altLang="zh-TW" sz="4800" b="1" dirty="0">
+            <a:pPr marL="0" indent="0" algn="ctr">
+              <a:buNone/>
+            </a:pPr>
+            <a:r>
+              <a:rPr lang="zh-CN" altLang="en-US" sz="6400" b="1" dirty="0">
                 <a:solidFill>
                   <a:srgbClr val="660033"/>
                 </a:solidFill>
                 <a:latin typeface="Microsoft JhengHei" panose="020B0604030504040204" pitchFamily="34" charset="-120"/>
                 <a:ea typeface="Microsoft JhengHei" panose="020B0604030504040204" pitchFamily="34" charset="-120"/>
               </a:rPr>
-              <a:t>【</a:t>
-            </a:r>
-            <a:r>
-              <a:rPr lang="zh-TW" altLang="en-US" sz="4800" b="1" dirty="0">
+              <a:t>必將你藏他恩翅下</a:t>
+            </a:r>
+            <a:endParaRPr lang="en-US" altLang="zh-CN" sz="6400" b="1" dirty="0">
+              <a:solidFill>
+                <a:srgbClr val="660033"/>
+              </a:solidFill>
+              <a:latin typeface="Microsoft JhengHei" panose="020B0604030504040204" pitchFamily="34" charset="-120"/>
+              <a:ea typeface="Microsoft JhengHei" panose="020B0604030504040204" pitchFamily="34" charset="-120"/>
+            </a:endParaRPr>
+          </a:p>
+          <a:p>
+            <a:pPr marL="0" indent="0" algn="ctr">
+              <a:buNone/>
+            </a:pPr>
+            <a:r>
+              <a:rPr lang="zh-CN" altLang="en-US" sz="6400" b="1" dirty="0">
                 <a:solidFill>
                   <a:srgbClr val="660033"/>
                 </a:solidFill>
@@ -4167,50 +4584,7 @@
               </a:rPr>
               <a:t>天父必看顧你</a:t>
             </a:r>
-            <a:r>
-              <a:rPr lang="en-US" altLang="zh-TW" sz="4800" b="1" dirty="0">
-                <a:solidFill>
-                  <a:srgbClr val="660033"/>
-                </a:solidFill>
-                <a:latin typeface="Microsoft JhengHei" panose="020B0604030504040204" pitchFamily="34" charset="-120"/>
-                <a:ea typeface="Microsoft JhengHei" panose="020B0604030504040204" pitchFamily="34" charset="-120"/>
-              </a:rPr>
-              <a:t>】</a:t>
-            </a:r>
-          </a:p>
-        </p:txBody>
-      </p:sp>
-      <p:sp>
-        <p:nvSpPr>
-          <p:cNvPr id="5" name="Content Placeholder 4"/>
-          <p:cNvSpPr>
-            <a:spLocks noGrp="1"/>
-          </p:cNvSpPr>
-          <p:nvPr>
-            <p:ph idx="1"/>
-          </p:nvPr>
-        </p:nvSpPr>
-        <p:spPr/>
-        <p:txBody>
-          <a:bodyPr>
-            <a:noAutofit/>
-          </a:bodyPr>
-          <a:lstStyle/>
-          <a:p>
-            <a:pPr marL="0" indent="0" algn="ctr">
-              <a:buNone/>
-            </a:pPr>
-            <a:r>
-              <a:rPr lang="zh-CN" altLang="en-US" sz="5400" b="1" dirty="0">
-                <a:solidFill>
-                  <a:srgbClr val="660033"/>
-                </a:solidFill>
-                <a:latin typeface="Microsoft JhengHei" panose="020B0604030504040204" pitchFamily="34" charset="-120"/>
-                <a:ea typeface="Microsoft JhengHei" panose="020B0604030504040204" pitchFamily="34" charset="-120"/>
-              </a:rPr>
-              <a:t>有時勞苦心中失望</a:t>
-            </a:r>
-            <a:endParaRPr lang="en-US" altLang="zh-CN" sz="5400" b="1" dirty="0">
+            <a:endParaRPr lang="zh-TW" altLang="en-US" sz="6400" b="1" dirty="0">
               <a:solidFill>
                 <a:srgbClr val="660033"/>
               </a:solidFill>
@@ -4218,128 +4592,40 @@
               <a:ea typeface="Microsoft JhengHei" panose="020B0604030504040204" pitchFamily="34" charset="-120"/>
             </a:endParaRPr>
           </a:p>
-          <a:p>
-            <a:pPr marL="0" indent="0" algn="ctr">
-              <a:buNone/>
-            </a:pPr>
-            <a:r>
-              <a:rPr lang="zh-CN" altLang="en-US" sz="5400" b="1" dirty="0">
-                <a:solidFill>
-                  <a:srgbClr val="660033"/>
-                </a:solidFill>
-                <a:latin typeface="Microsoft JhengHei" panose="020B0604030504040204" pitchFamily="34" charset="-120"/>
-                <a:ea typeface="Microsoft JhengHei" panose="020B0604030504040204" pitchFamily="34" charset="-120"/>
-              </a:rPr>
-              <a:t>天父必看顧你</a:t>
-            </a:r>
-            <a:endParaRPr lang="zh-TW" altLang="en-US" sz="5400" b="1" dirty="0">
-              <a:solidFill>
-                <a:srgbClr val="660033"/>
-              </a:solidFill>
-              <a:latin typeface="Microsoft JhengHei" panose="020B0604030504040204" pitchFamily="34" charset="-120"/>
-              <a:ea typeface="Microsoft JhengHei" panose="020B0604030504040204" pitchFamily="34" charset="-120"/>
-            </a:endParaRPr>
-          </a:p>
-          <a:p>
-            <a:pPr marL="0" indent="0" algn="ctr">
-              <a:buNone/>
-            </a:pPr>
-            <a:r>
-              <a:rPr lang="zh-CN" altLang="en-US" sz="5400" b="1" dirty="0">
-                <a:solidFill>
-                  <a:srgbClr val="660033"/>
-                </a:solidFill>
-                <a:latin typeface="Microsoft JhengHei" panose="020B0604030504040204" pitchFamily="34" charset="-120"/>
-                <a:ea typeface="Microsoft JhengHei" panose="020B0604030504040204" pitchFamily="34" charset="-120"/>
-              </a:rPr>
-              <a:t>危險臨到無</a:t>
-            </a:r>
-            <a:r>
-              <a:rPr lang="zh-CN" altLang="en-US" sz="5400" b="1" dirty="0">
-                <a:solidFill>
-                  <a:srgbClr val="660033"/>
-                </a:solidFill>
-                <a:latin typeface="Microsoft JhengHei" panose="020B0604030504040204" pitchFamily="34" charset="-120"/>
-                <a:ea typeface="Microsoft JhengHei" panose="020B0604030504040204" pitchFamily="34" charset="-120"/>
-              </a:rPr>
-              <a:t>處躱藏</a:t>
-            </a:r>
-            <a:endParaRPr lang="en-US" altLang="zh-CN" sz="5400" b="1" dirty="0">
-              <a:solidFill>
-                <a:srgbClr val="660033"/>
-              </a:solidFill>
-              <a:latin typeface="Microsoft JhengHei" panose="020B0604030504040204" pitchFamily="34" charset="-120"/>
-              <a:ea typeface="Microsoft JhengHei" panose="020B0604030504040204" pitchFamily="34" charset="-120"/>
-            </a:endParaRPr>
-          </a:p>
-          <a:p>
-            <a:pPr marL="0" indent="0" algn="ctr">
-              <a:buNone/>
-            </a:pPr>
-            <a:r>
-              <a:rPr lang="zh-CN" altLang="en-US" sz="5400" b="1" dirty="0">
-                <a:solidFill>
-                  <a:srgbClr val="660033"/>
-                </a:solidFill>
-                <a:latin typeface="Microsoft JhengHei" panose="020B0604030504040204" pitchFamily="34" charset="-120"/>
-                <a:ea typeface="Microsoft JhengHei" panose="020B0604030504040204" pitchFamily="34" charset="-120"/>
-              </a:rPr>
-              <a:t>天父必看顧你</a:t>
-            </a:r>
-            <a:endParaRPr lang="zh-TW" altLang="en-US" sz="5400" b="1" dirty="0">
-              <a:solidFill>
-                <a:srgbClr val="660033"/>
-              </a:solidFill>
-              <a:latin typeface="Microsoft JhengHei" panose="020B0604030504040204" pitchFamily="34" charset="-120"/>
-              <a:ea typeface="Microsoft JhengHei" panose="020B0604030504040204" pitchFamily="34" charset="-120"/>
-            </a:endParaRPr>
-          </a:p>
-        </p:txBody>
-      </p:sp>
-      <p:sp>
-        <p:nvSpPr>
-          <p:cNvPr id="6" name="Text Box 1"/>
+        </p:txBody>
+      </p:sp>
+      <p:sp>
+        <p:nvSpPr>
+          <p:cNvPr id="3" name="TextBox 2"/>
           <p:cNvSpPr txBox="1"/>
           <p:nvPr/>
         </p:nvSpPr>
         <p:spPr>
           <a:xfrm>
-            <a:off x="1524000" y="1676400"/>
-            <a:ext cx="1055440" cy="923330"/>
+            <a:off x="0" y="5157193"/>
+            <a:ext cx="12192000" cy="830997"/>
           </a:xfrm>
           <a:prstGeom prst="rect">
             <a:avLst/>
           </a:prstGeom>
           <a:noFill/>
-          <a:ln w="9525">
-            <a:noFill/>
-            <a:miter lim="800000"/>
-          </a:ln>
         </p:spPr>
         <p:txBody>
-          <a:bodyPr wrap="square">
+          <a:bodyPr wrap="square" rtlCol="0">
             <a:spAutoFit/>
           </a:bodyPr>
           <a:lstStyle/>
           <a:p>
             <a:pPr algn="ctr"/>
             <a:r>
-              <a:rPr lang="en-US" sz="5400" b="1" dirty="0">
+              <a:rPr lang="en-US" sz="4800" b="1" dirty="0">
                 <a:solidFill>
                   <a:srgbClr val="660033"/>
                 </a:solidFill>
               </a:rPr>
-              <a:t>2</a:t>
-            </a:r>
-            <a:r>
-              <a:rPr lang="en-US" sz="5400" b="1" dirty="0" smtClean="0">
-                <a:solidFill>
-                  <a:srgbClr val="660033"/>
-                </a:solidFill>
-              </a:rPr>
-              <a:t>.</a:t>
-            </a:r>
-            <a:endParaRPr lang="en-US" sz="5400" b="1" dirty="0">
+              <a:t>( 1 )</a:t>
+            </a:r>
+            <a:endParaRPr lang="vi-VN" sz="4800" b="1" dirty="0">
               <a:solidFill>
                 <a:srgbClr val="660033"/>
               </a:solidFill>
@@ -4350,13 +4636,20 @@
     </p:spTree>
     <p:extLst>
       <p:ext uri="{BB962C8B-B14F-4D97-AF65-F5344CB8AC3E}">
-        <p14:creationId xmlns:p14="http://schemas.microsoft.com/office/powerpoint/2010/main" val="4038160201"/>
+        <p14:creationId xmlns:p14="http://schemas.microsoft.com/office/powerpoint/2010/main" val="1449530098"/>
       </p:ext>
     </p:extLst>
   </p:cSld>
   <p:clrMapOvr>
     <a:masterClrMapping/>
   </p:clrMapOvr>
+  <p:timing>
+    <p:tnLst>
+      <p:par>
+        <p:cTn id="1" dur="indefinite" restart="never" nodeType="tmRoot"/>
+      </p:par>
+    </p:tnLst>
+  </p:timing>
 </p:sld>
 </file>
 
@@ -4379,33 +4672,31 @@
       </p:grpSpPr>
       <p:sp>
         <p:nvSpPr>
-          <p:cNvPr id="4" name="Title 3"/>
-          <p:cNvSpPr>
-            <a:spLocks noGrp="1"/>
-          </p:cNvSpPr>
-          <p:nvPr>
-            <p:ph type="title"/>
-          </p:nvPr>
-        </p:nvSpPr>
-        <p:spPr/>
-        <p:txBody>
-          <a:bodyPr>
+          <p:cNvPr id="5" name="內容版面配置區 4"/>
+          <p:cNvSpPr>
+            <a:spLocks noGrp="1"/>
+          </p:cNvSpPr>
+          <p:nvPr>
+            <p:ph idx="1"/>
+          </p:nvPr>
+        </p:nvSpPr>
+        <p:spPr>
+          <a:xfrm>
+            <a:off x="0" y="2084851"/>
+            <a:ext cx="12192000" cy="2404863"/>
+          </a:xfrm>
+        </p:spPr>
+        <p:txBody>
+          <a:bodyPr anchor="ctr">
             <a:normAutofit/>
           </a:bodyPr>
           <a:lstStyle/>
           <a:p>
-            <a:r>
-              <a:rPr lang="en-US" altLang="zh-TW" sz="4800" b="1" dirty="0">
-                <a:solidFill>
-                  <a:srgbClr val="660033"/>
-                </a:solidFill>
-                <a:latin typeface="Microsoft JhengHei" panose="020B0604030504040204" pitchFamily="34" charset="-120"/>
-                <a:ea typeface="Microsoft JhengHei" panose="020B0604030504040204" pitchFamily="34" charset="-120"/>
-              </a:rPr>
-              <a:t>【</a:t>
-            </a:r>
-            <a:r>
-              <a:rPr lang="zh-TW" altLang="en-US" sz="4800" b="1" dirty="0">
+            <a:pPr marL="0" indent="0" algn="ctr">
+              <a:buNone/>
+            </a:pPr>
+            <a:r>
+              <a:rPr lang="zh-CN" altLang="en-US" sz="6400" b="1" dirty="0">
                 <a:solidFill>
                   <a:srgbClr val="660033"/>
                 </a:solidFill>
@@ -4414,50 +4705,7 @@
               </a:rPr>
               <a:t>天父必看顧你</a:t>
             </a:r>
-            <a:r>
-              <a:rPr lang="en-US" altLang="zh-TW" sz="4800" b="1" dirty="0">
-                <a:solidFill>
-                  <a:srgbClr val="660033"/>
-                </a:solidFill>
-                <a:latin typeface="Microsoft JhengHei" panose="020B0604030504040204" pitchFamily="34" charset="-120"/>
-                <a:ea typeface="Microsoft JhengHei" panose="020B0604030504040204" pitchFamily="34" charset="-120"/>
-              </a:rPr>
-              <a:t>】</a:t>
-            </a:r>
-          </a:p>
-        </p:txBody>
-      </p:sp>
-      <p:sp>
-        <p:nvSpPr>
-          <p:cNvPr id="5" name="Content Placeholder 4"/>
-          <p:cNvSpPr>
-            <a:spLocks noGrp="1"/>
-          </p:cNvSpPr>
-          <p:nvPr>
-            <p:ph idx="1"/>
-          </p:nvPr>
-        </p:nvSpPr>
-        <p:spPr/>
-        <p:txBody>
-          <a:bodyPr>
-            <a:noAutofit/>
-          </a:bodyPr>
-          <a:lstStyle/>
-          <a:p>
-            <a:pPr marL="0" indent="0" algn="ctr">
-              <a:buNone/>
-            </a:pPr>
-            <a:r>
-              <a:rPr lang="zh-CN" altLang="en-US" sz="5400" b="1" dirty="0">
-                <a:solidFill>
-                  <a:srgbClr val="660033"/>
-                </a:solidFill>
-                <a:latin typeface="Microsoft JhengHei" panose="020B0604030504040204" pitchFamily="34" charset="-120"/>
-                <a:ea typeface="Microsoft JhengHei" panose="020B0604030504040204" pitchFamily="34" charset="-120"/>
-              </a:rPr>
-              <a:t>天父必看顧你</a:t>
-            </a:r>
-            <a:endParaRPr lang="en-US" altLang="zh-CN" sz="5400" b="1" dirty="0">
+            <a:endParaRPr lang="en-US" altLang="zh-CN" sz="6400" b="1" dirty="0">
               <a:solidFill>
                 <a:srgbClr val="660033"/>
               </a:solidFill>
@@ -4470,7 +4718,7 @@
               <a:buNone/>
             </a:pPr>
             <a:r>
-              <a:rPr lang="zh-CN" altLang="en-US" sz="5400" b="1" dirty="0">
+              <a:rPr lang="zh-CN" altLang="en-US" sz="6400" b="1" dirty="0">
                 <a:solidFill>
                   <a:srgbClr val="660033"/>
                 </a:solidFill>
@@ -4479,7 +4727,7 @@
               </a:rPr>
               <a:t>時時看顧  處處看顧</a:t>
             </a:r>
-            <a:endParaRPr lang="en-US" altLang="zh-CN" sz="5400" b="1" dirty="0">
+            <a:endParaRPr lang="en-US" altLang="zh-CN" sz="6400" b="1" dirty="0">
               <a:solidFill>
                 <a:srgbClr val="660033"/>
               </a:solidFill>
@@ -4487,62 +4735,25 @@
               <a:ea typeface="Microsoft JhengHei" panose="020B0604030504040204" pitchFamily="34" charset="-120"/>
             </a:endParaRPr>
           </a:p>
-          <a:p>
-            <a:pPr marL="0" indent="0" algn="ctr">
-              <a:buNone/>
-            </a:pPr>
-            <a:r>
-              <a:rPr lang="zh-CN" altLang="en-US" sz="5400" b="1" dirty="0">
-                <a:solidFill>
-                  <a:srgbClr val="660033"/>
-                </a:solidFill>
-                <a:latin typeface="Microsoft JhengHei" panose="020B0604030504040204" pitchFamily="34" charset="-120"/>
-                <a:ea typeface="Microsoft JhengHei" panose="020B0604030504040204" pitchFamily="34" charset="-120"/>
-              </a:rPr>
-              <a:t>他必要看顧你</a:t>
-            </a:r>
-            <a:endParaRPr lang="en-US" altLang="zh-CN" sz="5400" b="1" dirty="0">
-              <a:solidFill>
-                <a:srgbClr val="660033"/>
-              </a:solidFill>
-              <a:latin typeface="Microsoft JhengHei" panose="020B0604030504040204" pitchFamily="34" charset="-120"/>
-              <a:ea typeface="Microsoft JhengHei" panose="020B0604030504040204" pitchFamily="34" charset="-120"/>
-            </a:endParaRPr>
-          </a:p>
-          <a:p>
-            <a:pPr marL="0" indent="0" algn="ctr">
-              <a:buNone/>
-            </a:pPr>
-            <a:r>
-              <a:rPr lang="zh-CN" altLang="en-US" sz="5400" b="1" dirty="0">
-                <a:solidFill>
-                  <a:srgbClr val="660033"/>
-                </a:solidFill>
-                <a:latin typeface="Microsoft JhengHei" panose="020B0604030504040204" pitchFamily="34" charset="-120"/>
-                <a:ea typeface="Microsoft JhengHei" panose="020B0604030504040204" pitchFamily="34" charset="-120"/>
-              </a:rPr>
-              <a:t>天父必看顧你</a:t>
-            </a:r>
-            <a:endParaRPr lang="zh-TW" altLang="en-US" sz="5400" b="1" dirty="0">
-              <a:solidFill>
-                <a:srgbClr val="660033"/>
-              </a:solidFill>
-              <a:latin typeface="Microsoft JhengHei" panose="020B0604030504040204" pitchFamily="34" charset="-120"/>
-              <a:ea typeface="Microsoft JhengHei" panose="020B0604030504040204" pitchFamily="34" charset="-120"/>
-            </a:endParaRPr>
-          </a:p>
         </p:txBody>
       </p:sp>
     </p:spTree>
     <p:extLst>
       <p:ext uri="{BB962C8B-B14F-4D97-AF65-F5344CB8AC3E}">
-        <p14:creationId xmlns:p14="http://schemas.microsoft.com/office/powerpoint/2010/main" val="3933387044"/>
+        <p14:creationId xmlns:p14="http://schemas.microsoft.com/office/powerpoint/2010/main" val="3641955420"/>
       </p:ext>
     </p:extLst>
   </p:cSld>
   <p:clrMapOvr>
     <a:masterClrMapping/>
   </p:clrMapOvr>
+  <p:timing>
+    <p:tnLst>
+      <p:par>
+        <p:cTn id="1" dur="indefinite" restart="never" nodeType="tmRoot"/>
+      </p:par>
+    </p:tnLst>
+  </p:timing>
 </p:sld>
 </file>
 
@@ -4565,33 +4776,53 @@
       </p:grpSpPr>
       <p:sp>
         <p:nvSpPr>
-          <p:cNvPr id="4" name="Title 3"/>
-          <p:cNvSpPr>
-            <a:spLocks noGrp="1"/>
-          </p:cNvSpPr>
-          <p:nvPr>
-            <p:ph type="title"/>
-          </p:nvPr>
-        </p:nvSpPr>
-        <p:spPr/>
-        <p:txBody>
-          <a:bodyPr>
+          <p:cNvPr id="5" name="內容版面配置區 4"/>
+          <p:cNvSpPr>
+            <a:spLocks noGrp="1"/>
+          </p:cNvSpPr>
+          <p:nvPr>
+            <p:ph idx="1"/>
+          </p:nvPr>
+        </p:nvSpPr>
+        <p:spPr>
+          <a:xfrm>
+            <a:off x="0" y="2084851"/>
+            <a:ext cx="12192000" cy="2404863"/>
+          </a:xfrm>
+        </p:spPr>
+        <p:txBody>
+          <a:bodyPr anchor="ctr">
             <a:normAutofit/>
           </a:bodyPr>
           <a:lstStyle/>
           <a:p>
-            <a:r>
-              <a:rPr lang="en-US" altLang="zh-TW" sz="4800" b="1" dirty="0">
+            <a:pPr marL="0" indent="0" algn="ctr">
+              <a:buNone/>
+            </a:pPr>
+            <a:r>
+              <a:rPr lang="zh-CN" altLang="en-US" sz="6400" b="1" dirty="0">
                 <a:solidFill>
                   <a:srgbClr val="660033"/>
                 </a:solidFill>
                 <a:latin typeface="Microsoft JhengHei" panose="020B0604030504040204" pitchFamily="34" charset="-120"/>
                 <a:ea typeface="Microsoft JhengHei" panose="020B0604030504040204" pitchFamily="34" charset="-120"/>
               </a:rPr>
-              <a:t>【</a:t>
-            </a:r>
-            <a:r>
-              <a:rPr lang="zh-TW" altLang="en-US" sz="4800" b="1" dirty="0">
+              <a:t>他必要看顧你</a:t>
+            </a:r>
+            <a:endParaRPr lang="en-US" altLang="zh-CN" sz="6400" b="1" dirty="0">
+              <a:solidFill>
+                <a:srgbClr val="660033"/>
+              </a:solidFill>
+              <a:latin typeface="Microsoft JhengHei" panose="020B0604030504040204" pitchFamily="34" charset="-120"/>
+              <a:ea typeface="Microsoft JhengHei" panose="020B0604030504040204" pitchFamily="34" charset="-120"/>
+            </a:endParaRPr>
+          </a:p>
+          <a:p>
+            <a:pPr marL="0" indent="0" algn="ctr">
+              <a:buNone/>
+            </a:pPr>
+            <a:r>
+              <a:rPr lang="zh-CN" altLang="en-US" sz="6400" b="1" dirty="0">
                 <a:solidFill>
                   <a:srgbClr val="660033"/>
                 </a:solidFill>
@@ -4600,50 +4831,7 @@
               </a:rPr>
               <a:t>天父必看顧你</a:t>
             </a:r>
-            <a:r>
-              <a:rPr lang="en-US" altLang="zh-TW" sz="4800" b="1" dirty="0">
-                <a:solidFill>
-                  <a:srgbClr val="660033"/>
-                </a:solidFill>
-                <a:latin typeface="Microsoft JhengHei" panose="020B0604030504040204" pitchFamily="34" charset="-120"/>
-                <a:ea typeface="Microsoft JhengHei" panose="020B0604030504040204" pitchFamily="34" charset="-120"/>
-              </a:rPr>
-              <a:t>】</a:t>
-            </a:r>
-          </a:p>
-        </p:txBody>
-      </p:sp>
-      <p:sp>
-        <p:nvSpPr>
-          <p:cNvPr id="5" name="Content Placeholder 4"/>
-          <p:cNvSpPr>
-            <a:spLocks noGrp="1"/>
-          </p:cNvSpPr>
-          <p:nvPr>
-            <p:ph idx="1"/>
-          </p:nvPr>
-        </p:nvSpPr>
-        <p:spPr/>
-        <p:txBody>
-          <a:bodyPr>
-            <a:noAutofit/>
-          </a:bodyPr>
-          <a:lstStyle/>
-          <a:p>
-            <a:pPr marL="0" indent="0" algn="ctr">
-              <a:buNone/>
-            </a:pPr>
-            <a:r>
-              <a:rPr lang="zh-CN" altLang="en-US" sz="5400" b="1" dirty="0">
-                <a:solidFill>
-                  <a:srgbClr val="660033"/>
-                </a:solidFill>
-                <a:latin typeface="Microsoft JhengHei" panose="020B0604030504040204" pitchFamily="34" charset="-120"/>
-                <a:ea typeface="Microsoft JhengHei" panose="020B0604030504040204" pitchFamily="34" charset="-120"/>
-              </a:rPr>
-              <a:t>你雖缺乏他是豐富</a:t>
-            </a:r>
-            <a:endParaRPr lang="en-US" altLang="zh-CN" sz="5400" b="1" dirty="0">
+            <a:endParaRPr lang="zh-TW" altLang="en-US" sz="6400" b="1" dirty="0">
               <a:solidFill>
                 <a:srgbClr val="660033"/>
               </a:solidFill>
@@ -4651,135 +4839,25 @@
               <a:ea typeface="Microsoft JhengHei" panose="020B0604030504040204" pitchFamily="34" charset="-120"/>
             </a:endParaRPr>
           </a:p>
-          <a:p>
-            <a:pPr marL="0" indent="0" algn="ctr">
-              <a:buNone/>
-            </a:pPr>
-            <a:r>
-              <a:rPr lang="zh-CN" altLang="en-US" sz="5400" b="1" dirty="0">
-                <a:solidFill>
-                  <a:srgbClr val="660033"/>
-                </a:solidFill>
-                <a:latin typeface="Microsoft JhengHei" panose="020B0604030504040204" pitchFamily="34" charset="-120"/>
-                <a:ea typeface="Microsoft JhengHei" panose="020B0604030504040204" pitchFamily="34" charset="-120"/>
-              </a:rPr>
-              <a:t>天父必看顧你</a:t>
-            </a:r>
-            <a:endParaRPr lang="en-US" altLang="zh-CN" sz="5400" b="1" dirty="0">
-              <a:solidFill>
-                <a:srgbClr val="660033"/>
-              </a:solidFill>
-              <a:latin typeface="Microsoft JhengHei" panose="020B0604030504040204" pitchFamily="34" charset="-120"/>
-              <a:ea typeface="Microsoft JhengHei" panose="020B0604030504040204" pitchFamily="34" charset="-120"/>
-            </a:endParaRPr>
-          </a:p>
-          <a:p>
-            <a:pPr marL="0" indent="0" algn="ctr">
-              <a:buNone/>
-            </a:pPr>
-            <a:r>
-              <a:rPr lang="zh-CN" altLang="en-US" sz="5400" b="1" dirty="0">
-                <a:solidFill>
-                  <a:srgbClr val="660033"/>
-                </a:solidFill>
-                <a:latin typeface="Microsoft JhengHei" panose="020B0604030504040204" pitchFamily="34" charset="-120"/>
-                <a:ea typeface="Microsoft JhengHei" panose="020B0604030504040204" pitchFamily="34" charset="-120"/>
-              </a:rPr>
-              <a:t>你受試煉他必開路</a:t>
-            </a:r>
-            <a:endParaRPr lang="en-US" altLang="zh-CN" sz="5400" b="1" dirty="0">
-              <a:solidFill>
-                <a:srgbClr val="660033"/>
-              </a:solidFill>
-              <a:latin typeface="Microsoft JhengHei" panose="020B0604030504040204" pitchFamily="34" charset="-120"/>
-              <a:ea typeface="Microsoft JhengHei" panose="020B0604030504040204" pitchFamily="34" charset="-120"/>
-            </a:endParaRPr>
-          </a:p>
-          <a:p>
-            <a:pPr marL="0" indent="0" algn="ctr">
-              <a:buNone/>
-            </a:pPr>
-            <a:r>
-              <a:rPr lang="zh-CN" altLang="en-US" sz="5400" b="1" dirty="0">
-                <a:solidFill>
-                  <a:srgbClr val="660033"/>
-                </a:solidFill>
-                <a:latin typeface="Microsoft JhengHei" panose="020B0604030504040204" pitchFamily="34" charset="-120"/>
-                <a:ea typeface="Microsoft JhengHei" panose="020B0604030504040204" pitchFamily="34" charset="-120"/>
-              </a:rPr>
-              <a:t>天父必看顧你</a:t>
-            </a:r>
-            <a:endParaRPr lang="zh-TW" altLang="en-US" sz="5400" b="1" dirty="0">
-              <a:solidFill>
-                <a:srgbClr val="660033"/>
-              </a:solidFill>
-              <a:latin typeface="Microsoft JhengHei" panose="020B0604030504040204" pitchFamily="34" charset="-120"/>
-              <a:ea typeface="Microsoft JhengHei" panose="020B0604030504040204" pitchFamily="34" charset="-120"/>
-            </a:endParaRPr>
-          </a:p>
-        </p:txBody>
-      </p:sp>
-      <p:sp>
-        <p:nvSpPr>
-          <p:cNvPr id="6" name="Text Box 1"/>
-          <p:cNvSpPr txBox="1"/>
-          <p:nvPr/>
-        </p:nvSpPr>
-        <p:spPr>
-          <a:xfrm>
-            <a:off x="1524000" y="1676400"/>
-            <a:ext cx="1055440" cy="923330"/>
-          </a:xfrm>
-          <a:prstGeom prst="rect">
-            <a:avLst/>
-          </a:prstGeom>
-          <a:noFill/>
-          <a:ln w="9525">
-            <a:noFill/>
-            <a:miter lim="800000"/>
-          </a:ln>
-        </p:spPr>
-        <p:txBody>
-          <a:bodyPr wrap="square">
-            <a:spAutoFit/>
-          </a:bodyPr>
-          <a:lstStyle/>
-          <a:p>
-            <a:pPr algn="ctr"/>
-            <a:r>
-              <a:rPr lang="en-US" sz="5400" b="1" dirty="0">
-                <a:solidFill>
-                  <a:srgbClr val="660033"/>
-                </a:solidFill>
-              </a:rPr>
-              <a:t>3</a:t>
-            </a:r>
-            <a:r>
-              <a:rPr lang="en-US" sz="5400" b="1" dirty="0" smtClean="0">
-                <a:solidFill>
-                  <a:srgbClr val="660033"/>
-                </a:solidFill>
-              </a:rPr>
-              <a:t>.</a:t>
-            </a:r>
-            <a:endParaRPr lang="en-US" sz="5400" b="1" dirty="0">
-              <a:solidFill>
-                <a:srgbClr val="660033"/>
-              </a:solidFill>
-            </a:endParaRPr>
-          </a:p>
         </p:txBody>
       </p:sp>
     </p:spTree>
     <p:extLst>
       <p:ext uri="{BB962C8B-B14F-4D97-AF65-F5344CB8AC3E}">
-        <p14:creationId xmlns:p14="http://schemas.microsoft.com/office/powerpoint/2010/main" val="2408055826"/>
+        <p14:creationId xmlns:p14="http://schemas.microsoft.com/office/powerpoint/2010/main" val="27335745"/>
       </p:ext>
     </p:extLst>
   </p:cSld>
   <p:clrMapOvr>
     <a:masterClrMapping/>
   </p:clrMapOvr>
+  <p:timing>
+    <p:tnLst>
+      <p:par>
+        <p:cTn id="1" dur="indefinite" restart="never" nodeType="tmRoot"/>
+      </p:par>
+    </p:tnLst>
+  </p:timing>
 </p:sld>
 </file>
 
@@ -4802,33 +4880,53 @@
       </p:grpSpPr>
       <p:sp>
         <p:nvSpPr>
-          <p:cNvPr id="4" name="Title 3"/>
-          <p:cNvSpPr>
-            <a:spLocks noGrp="1"/>
-          </p:cNvSpPr>
-          <p:nvPr>
-            <p:ph type="title"/>
-          </p:nvPr>
-        </p:nvSpPr>
-        <p:spPr/>
-        <p:txBody>
-          <a:bodyPr>
+          <p:cNvPr id="5" name="內容版面配置區 4"/>
+          <p:cNvSpPr>
+            <a:spLocks noGrp="1"/>
+          </p:cNvSpPr>
+          <p:nvPr>
+            <p:ph idx="1"/>
+          </p:nvPr>
+        </p:nvSpPr>
+        <p:spPr>
+          <a:xfrm>
+            <a:off x="0" y="2084851"/>
+            <a:ext cx="12192000" cy="2404863"/>
+          </a:xfrm>
+        </p:spPr>
+        <p:txBody>
+          <a:bodyPr anchor="ctr">
             <a:normAutofit/>
           </a:bodyPr>
           <a:lstStyle/>
           <a:p>
-            <a:r>
-              <a:rPr lang="en-US" altLang="zh-TW" sz="4800" b="1" dirty="0">
+            <a:pPr marL="0" indent="0" algn="ctr">
+              <a:buNone/>
+            </a:pPr>
+            <a:r>
+              <a:rPr lang="zh-CN" altLang="en-US" sz="6400" b="1" dirty="0">
                 <a:solidFill>
                   <a:srgbClr val="660033"/>
                 </a:solidFill>
                 <a:latin typeface="Microsoft JhengHei" panose="020B0604030504040204" pitchFamily="34" charset="-120"/>
                 <a:ea typeface="Microsoft JhengHei" panose="020B0604030504040204" pitchFamily="34" charset="-120"/>
               </a:rPr>
-              <a:t>【</a:t>
-            </a:r>
-            <a:r>
-              <a:rPr lang="zh-TW" altLang="en-US" sz="4800" b="1" dirty="0">
+              <a:t>有時勞苦心中失望</a:t>
+            </a:r>
+            <a:endParaRPr lang="en-US" altLang="zh-CN" sz="6400" b="1" dirty="0">
+              <a:solidFill>
+                <a:srgbClr val="660033"/>
+              </a:solidFill>
+              <a:latin typeface="Microsoft JhengHei" panose="020B0604030504040204" pitchFamily="34" charset="-120"/>
+              <a:ea typeface="Microsoft JhengHei" panose="020B0604030504040204" pitchFamily="34" charset="-120"/>
+            </a:endParaRPr>
+          </a:p>
+          <a:p>
+            <a:pPr marL="0" indent="0" algn="ctr">
+              <a:buNone/>
+            </a:pPr>
+            <a:r>
+              <a:rPr lang="zh-CN" altLang="en-US" sz="6400" b="1" dirty="0">
                 <a:solidFill>
                   <a:srgbClr val="660033"/>
                 </a:solidFill>
@@ -4837,41 +4935,141 @@
               </a:rPr>
               <a:t>天父必看顧你</a:t>
             </a:r>
-            <a:r>
-              <a:rPr lang="en-US" altLang="zh-TW" sz="4800" b="1" dirty="0">
+            <a:endParaRPr lang="zh-TW" altLang="en-US" sz="6400" b="1" dirty="0">
+              <a:solidFill>
+                <a:srgbClr val="660033"/>
+              </a:solidFill>
+              <a:latin typeface="Microsoft JhengHei" panose="020B0604030504040204" pitchFamily="34" charset="-120"/>
+              <a:ea typeface="Microsoft JhengHei" panose="020B0604030504040204" pitchFamily="34" charset="-120"/>
+            </a:endParaRPr>
+          </a:p>
+        </p:txBody>
+      </p:sp>
+      <p:sp>
+        <p:nvSpPr>
+          <p:cNvPr id="3" name="TextBox 2"/>
+          <p:cNvSpPr txBox="1"/>
+          <p:nvPr/>
+        </p:nvSpPr>
+        <p:spPr>
+          <a:xfrm>
+            <a:off x="0" y="5157193"/>
+            <a:ext cx="12192000" cy="830997"/>
+          </a:xfrm>
+          <a:prstGeom prst="rect">
+            <a:avLst/>
+          </a:prstGeom>
+          <a:noFill/>
+        </p:spPr>
+        <p:txBody>
+          <a:bodyPr wrap="square" rtlCol="0">
+            <a:spAutoFit/>
+          </a:bodyPr>
+          <a:lstStyle/>
+          <a:p>
+            <a:pPr algn="ctr"/>
+            <a:r>
+              <a:rPr lang="en-US" sz="4800" b="1" dirty="0">
+                <a:solidFill>
+                  <a:srgbClr val="660033"/>
+                </a:solidFill>
+              </a:rPr>
+              <a:t>( 2 )</a:t>
+            </a:r>
+            <a:endParaRPr lang="vi-VN" sz="4800" b="1" dirty="0">
+              <a:solidFill>
+                <a:srgbClr val="660033"/>
+              </a:solidFill>
+            </a:endParaRPr>
+          </a:p>
+        </p:txBody>
+      </p:sp>
+    </p:spTree>
+    <p:extLst>
+      <p:ext uri="{BB962C8B-B14F-4D97-AF65-F5344CB8AC3E}">
+        <p14:creationId xmlns:p14="http://schemas.microsoft.com/office/powerpoint/2010/main" val="3672295155"/>
+      </p:ext>
+    </p:extLst>
+  </p:cSld>
+  <p:clrMapOvr>
+    <a:masterClrMapping/>
+  </p:clrMapOvr>
+  <p:timing>
+    <p:tnLst>
+      <p:par>
+        <p:cTn id="1" dur="indefinite" restart="never" nodeType="tmRoot"/>
+      </p:par>
+    </p:tnLst>
+  </p:timing>
+</p:sld>
+</file>
+
+<file path=ppt/slides/slide7.xml><?xml version="1.0" encoding="utf-8"?>
+<p:sld xmlns:a="http://schemas.openxmlformats.org/drawingml/2006/main" xmlns:r="http://schemas.openxmlformats.org/officeDocument/2006/relationships" xmlns:p="http://schemas.openxmlformats.org/presentationml/2006/main">
+  <p:cSld>
+    <p:spTree>
+      <p:nvGrpSpPr>
+        <p:cNvPr id="1" name=""/>
+        <p:cNvGrpSpPr/>
+        <p:nvPr/>
+      </p:nvGrpSpPr>
+      <p:grpSpPr>
+        <a:xfrm>
+          <a:off x="0" y="0"/>
+          <a:ext cx="0" cy="0"/>
+          <a:chOff x="0" y="0"/>
+          <a:chExt cx="0" cy="0"/>
+        </a:xfrm>
+      </p:grpSpPr>
+      <p:sp>
+        <p:nvSpPr>
+          <p:cNvPr id="5" name="內容版面配置區 4"/>
+          <p:cNvSpPr>
+            <a:spLocks noGrp="1"/>
+          </p:cNvSpPr>
+          <p:nvPr>
+            <p:ph idx="1"/>
+          </p:nvPr>
+        </p:nvSpPr>
+        <p:spPr>
+          <a:xfrm>
+            <a:off x="0" y="2084851"/>
+            <a:ext cx="12192000" cy="2404863"/>
+          </a:xfrm>
+        </p:spPr>
+        <p:txBody>
+          <a:bodyPr anchor="ctr">
+            <a:normAutofit/>
+          </a:bodyPr>
+          <a:lstStyle/>
+          <a:p>
+            <a:pPr marL="0" indent="0" algn="ctr">
+              <a:buNone/>
+            </a:pPr>
+            <a:r>
+              <a:rPr lang="zh-CN" altLang="en-US" sz="6400" b="1" dirty="0">
                 <a:solidFill>
                   <a:srgbClr val="660033"/>
                 </a:solidFill>
                 <a:latin typeface="Microsoft JhengHei" panose="020B0604030504040204" pitchFamily="34" charset="-120"/>
                 <a:ea typeface="Microsoft JhengHei" panose="020B0604030504040204" pitchFamily="34" charset="-120"/>
               </a:rPr>
-              <a:t>】</a:t>
-            </a:r>
-          </a:p>
-        </p:txBody>
-      </p:sp>
-      <p:sp>
-        <p:nvSpPr>
-          <p:cNvPr id="5" name="Content Placeholder 4"/>
-          <p:cNvSpPr>
-            <a:spLocks noGrp="1"/>
-          </p:cNvSpPr>
-          <p:nvPr>
-            <p:ph idx="1"/>
-          </p:nvPr>
-        </p:nvSpPr>
-        <p:spPr/>
-        <p:txBody>
-          <a:bodyPr>
-            <a:noAutofit/>
-          </a:bodyPr>
-          <a:lstStyle/>
+              <a:t>危險臨到無處躱藏</a:t>
+            </a:r>
+            <a:endParaRPr lang="en-US" altLang="zh-CN" sz="6400" b="1" dirty="0">
+              <a:solidFill>
+                <a:srgbClr val="660033"/>
+              </a:solidFill>
+              <a:latin typeface="Microsoft JhengHei" panose="020B0604030504040204" pitchFamily="34" charset="-120"/>
+              <a:ea typeface="Microsoft JhengHei" panose="020B0604030504040204" pitchFamily="34" charset="-120"/>
+            </a:endParaRPr>
+          </a:p>
           <a:p>
             <a:pPr marL="0" indent="0" algn="ctr">
               <a:buNone/>
             </a:pPr>
             <a:r>
-              <a:rPr lang="zh-CN" altLang="en-US" sz="5400" b="1" dirty="0">
+              <a:rPr lang="zh-CN" altLang="en-US" sz="6400" b="1" dirty="0">
                 <a:solidFill>
                   <a:srgbClr val="660033"/>
                 </a:solidFill>
@@ -4880,7 +5078,7 @@
               </a:rPr>
               <a:t>天父必看顧你</a:t>
             </a:r>
-            <a:endParaRPr lang="en-US" altLang="zh-CN" sz="5400" b="1" dirty="0">
+            <a:endParaRPr lang="zh-TW" altLang="en-US" sz="6400" b="1" dirty="0">
               <a:solidFill>
                 <a:srgbClr val="660033"/>
               </a:solidFill>
@@ -4888,12 +5086,133 @@
               <a:ea typeface="Microsoft JhengHei" panose="020B0604030504040204" pitchFamily="34" charset="-120"/>
             </a:endParaRPr>
           </a:p>
+        </p:txBody>
+      </p:sp>
+      <p:sp>
+        <p:nvSpPr>
+          <p:cNvPr id="3" name="TextBox 2"/>
+          <p:cNvSpPr txBox="1"/>
+          <p:nvPr/>
+        </p:nvSpPr>
+        <p:spPr>
+          <a:xfrm>
+            <a:off x="0" y="5157193"/>
+            <a:ext cx="12192000" cy="830997"/>
+          </a:xfrm>
+          <a:prstGeom prst="rect">
+            <a:avLst/>
+          </a:prstGeom>
+          <a:noFill/>
+        </p:spPr>
+        <p:txBody>
+          <a:bodyPr wrap="square" rtlCol="0">
+            <a:spAutoFit/>
+          </a:bodyPr>
+          <a:lstStyle/>
+          <a:p>
+            <a:pPr algn="ctr"/>
+            <a:r>
+              <a:rPr lang="en-US" sz="4800" b="1" dirty="0">
+                <a:solidFill>
+                  <a:srgbClr val="660033"/>
+                </a:solidFill>
+              </a:rPr>
+              <a:t>( 2 )</a:t>
+            </a:r>
+            <a:endParaRPr lang="vi-VN" sz="4800" b="1" dirty="0">
+              <a:solidFill>
+                <a:srgbClr val="660033"/>
+              </a:solidFill>
+            </a:endParaRPr>
+          </a:p>
+        </p:txBody>
+      </p:sp>
+    </p:spTree>
+    <p:extLst>
+      <p:ext uri="{BB962C8B-B14F-4D97-AF65-F5344CB8AC3E}">
+        <p14:creationId xmlns:p14="http://schemas.microsoft.com/office/powerpoint/2010/main" val="1383820750"/>
+      </p:ext>
+    </p:extLst>
+  </p:cSld>
+  <p:clrMapOvr>
+    <a:masterClrMapping/>
+  </p:clrMapOvr>
+  <p:timing>
+    <p:tnLst>
+      <p:par>
+        <p:cTn id="1" dur="indefinite" restart="never" nodeType="tmRoot"/>
+      </p:par>
+    </p:tnLst>
+  </p:timing>
+</p:sld>
+</file>
+
+<file path=ppt/slides/slide8.xml><?xml version="1.0" encoding="utf-8"?>
+<p:sld xmlns:a="http://schemas.openxmlformats.org/drawingml/2006/main" xmlns:r="http://schemas.openxmlformats.org/officeDocument/2006/relationships" xmlns:p="http://schemas.openxmlformats.org/presentationml/2006/main">
+  <p:cSld>
+    <p:spTree>
+      <p:nvGrpSpPr>
+        <p:cNvPr id="1" name=""/>
+        <p:cNvGrpSpPr/>
+        <p:nvPr/>
+      </p:nvGrpSpPr>
+      <p:grpSpPr>
+        <a:xfrm>
+          <a:off x="0" y="0"/>
+          <a:ext cx="0" cy="0"/>
+          <a:chOff x="0" y="0"/>
+          <a:chExt cx="0" cy="0"/>
+        </a:xfrm>
+      </p:grpSpPr>
+      <p:sp>
+        <p:nvSpPr>
+          <p:cNvPr id="5" name="內容版面配置區 4"/>
+          <p:cNvSpPr>
+            <a:spLocks noGrp="1"/>
+          </p:cNvSpPr>
+          <p:nvPr>
+            <p:ph idx="1"/>
+          </p:nvPr>
+        </p:nvSpPr>
+        <p:spPr>
+          <a:xfrm>
+            <a:off x="0" y="2084851"/>
+            <a:ext cx="12192000" cy="2404863"/>
+          </a:xfrm>
+        </p:spPr>
+        <p:txBody>
+          <a:bodyPr anchor="ctr">
+            <a:normAutofit/>
+          </a:bodyPr>
+          <a:lstStyle/>
           <a:p>
             <a:pPr marL="0" indent="0" algn="ctr">
               <a:buNone/>
             </a:pPr>
             <a:r>
-              <a:rPr lang="zh-CN" altLang="en-US" sz="5400" b="1" dirty="0">
+              <a:rPr lang="zh-CN" altLang="en-US" sz="6400" b="1" dirty="0">
+                <a:solidFill>
+                  <a:srgbClr val="660033"/>
+                </a:solidFill>
+                <a:latin typeface="Microsoft JhengHei" panose="020B0604030504040204" pitchFamily="34" charset="-120"/>
+                <a:ea typeface="Microsoft JhengHei" panose="020B0604030504040204" pitchFamily="34" charset="-120"/>
+              </a:rPr>
+              <a:t>天父必看顧你</a:t>
+            </a:r>
+            <a:endParaRPr lang="en-US" altLang="zh-CN" sz="6400" b="1" dirty="0">
+              <a:solidFill>
+                <a:srgbClr val="660033"/>
+              </a:solidFill>
+              <a:latin typeface="Microsoft JhengHei" panose="020B0604030504040204" pitchFamily="34" charset="-120"/>
+              <a:ea typeface="Microsoft JhengHei" panose="020B0604030504040204" pitchFamily="34" charset="-120"/>
+            </a:endParaRPr>
+          </a:p>
+          <a:p>
+            <a:pPr marL="0" indent="0" algn="ctr">
+              <a:buNone/>
+            </a:pPr>
+            <a:r>
+              <a:rPr lang="zh-CN" altLang="en-US" sz="6400" b="1" dirty="0">
                 <a:solidFill>
                   <a:srgbClr val="660033"/>
                 </a:solidFill>
@@ -4902,7 +5221,7 @@
               </a:rPr>
               <a:t>時時看顧  處處看顧</a:t>
             </a:r>
-            <a:endParaRPr lang="en-US" altLang="zh-CN" sz="5400" b="1" dirty="0">
+            <a:endParaRPr lang="en-US" altLang="zh-CN" sz="6400" b="1" dirty="0">
               <a:solidFill>
                 <a:srgbClr val="660033"/>
               </a:solidFill>
@@ -4910,12 +5229,72 @@
               <a:ea typeface="Microsoft JhengHei" panose="020B0604030504040204" pitchFamily="34" charset="-120"/>
             </a:endParaRPr>
           </a:p>
+        </p:txBody>
+      </p:sp>
+    </p:spTree>
+    <p:extLst>
+      <p:ext uri="{BB962C8B-B14F-4D97-AF65-F5344CB8AC3E}">
+        <p14:creationId xmlns:p14="http://schemas.microsoft.com/office/powerpoint/2010/main" val="2708203707"/>
+      </p:ext>
+    </p:extLst>
+  </p:cSld>
+  <p:clrMapOvr>
+    <a:masterClrMapping/>
+  </p:clrMapOvr>
+  <p:timing>
+    <p:tnLst>
+      <p:par>
+        <p:cTn id="1" dur="indefinite" restart="never" nodeType="tmRoot"/>
+      </p:par>
+    </p:tnLst>
+  </p:timing>
+</p:sld>
+</file>
+
+<file path=ppt/slides/slide9.xml><?xml version="1.0" encoding="utf-8"?>
+<p:sld xmlns:a="http://schemas.openxmlformats.org/drawingml/2006/main" xmlns:r="http://schemas.openxmlformats.org/officeDocument/2006/relationships" xmlns:p="http://schemas.openxmlformats.org/presentationml/2006/main">
+  <p:cSld>
+    <p:spTree>
+      <p:nvGrpSpPr>
+        <p:cNvPr id="1" name=""/>
+        <p:cNvGrpSpPr/>
+        <p:nvPr/>
+      </p:nvGrpSpPr>
+      <p:grpSpPr>
+        <a:xfrm>
+          <a:off x="0" y="0"/>
+          <a:ext cx="0" cy="0"/>
+          <a:chOff x="0" y="0"/>
+          <a:chExt cx="0" cy="0"/>
+        </a:xfrm>
+      </p:grpSpPr>
+      <p:sp>
+        <p:nvSpPr>
+          <p:cNvPr id="5" name="內容版面配置區 4"/>
+          <p:cNvSpPr>
+            <a:spLocks noGrp="1"/>
+          </p:cNvSpPr>
+          <p:nvPr>
+            <p:ph idx="1"/>
+          </p:nvPr>
+        </p:nvSpPr>
+        <p:spPr>
+          <a:xfrm>
+            <a:off x="0" y="2084851"/>
+            <a:ext cx="12192000" cy="2404863"/>
+          </a:xfrm>
+        </p:spPr>
+        <p:txBody>
+          <a:bodyPr anchor="ctr">
+            <a:normAutofit/>
+          </a:bodyPr>
+          <a:lstStyle/>
           <a:p>
             <a:pPr marL="0" indent="0" algn="ctr">
               <a:buNone/>
             </a:pPr>
             <a:r>
-              <a:rPr lang="zh-CN" altLang="en-US" sz="5400" b="1" dirty="0">
+              <a:rPr lang="zh-CN" altLang="en-US" sz="6400" b="1" dirty="0">
                 <a:solidFill>
                   <a:srgbClr val="660033"/>
                 </a:solidFill>
@@ -4924,7 +5303,7 @@
               </a:rPr>
               <a:t>他必要看顧你</a:t>
             </a:r>
-            <a:endParaRPr lang="en-US" altLang="zh-CN" sz="5400" b="1" dirty="0">
+            <a:endParaRPr lang="en-US" altLang="zh-CN" sz="6400" b="1" dirty="0">
               <a:solidFill>
                 <a:srgbClr val="660033"/>
               </a:solidFill>
@@ -4937,7 +5316,7 @@
               <a:buNone/>
             </a:pPr>
             <a:r>
-              <a:rPr lang="zh-CN" altLang="en-US" sz="5400" b="1" dirty="0">
+              <a:rPr lang="zh-CN" altLang="en-US" sz="6400" b="1" dirty="0">
                 <a:solidFill>
                   <a:srgbClr val="660033"/>
                 </a:solidFill>
@@ -4946,7 +5325,7 @@
               </a:rPr>
               <a:t>天父必看顧你</a:t>
             </a:r>
-            <a:endParaRPr lang="zh-TW" altLang="en-US" sz="5400" b="1" dirty="0">
+            <a:endParaRPr lang="zh-TW" altLang="en-US" sz="6400" b="1" dirty="0">
               <a:solidFill>
                 <a:srgbClr val="660033"/>
               </a:solidFill>
@@ -4959,13 +5338,20 @@
     </p:spTree>
     <p:extLst>
       <p:ext uri="{BB962C8B-B14F-4D97-AF65-F5344CB8AC3E}">
-        <p14:creationId xmlns:p14="http://schemas.microsoft.com/office/powerpoint/2010/main" val="4260882419"/>
+        <p14:creationId xmlns:p14="http://schemas.microsoft.com/office/powerpoint/2010/main" val="4182980133"/>
       </p:ext>
     </p:extLst>
   </p:cSld>
   <p:clrMapOvr>
     <a:masterClrMapping/>
   </p:clrMapOvr>
+  <p:timing>
+    <p:tnLst>
+      <p:par>
+        <p:cTn id="1" dur="indefinite" restart="never" nodeType="tmRoot"/>
+      </p:par>
+    </p:tnLst>
+  </p:timing>
 </p:sld>
 </file>
 
